--- a/Presentation/Presentation.pptx
+++ b/Presentation/Presentation.pptx
@@ -205,7 +205,7 @@
           <a:p>
             <a:fld id="{C3736C48-E212-4C45-A95D-1FD7DFBAD7B5}" type="datetimeFigureOut">
               <a:rPr lang="en-GB" smtClean="0"/>
-              <a:t>05/10/2022</a:t>
+              <a:t>06/10/2022</a:t>
             </a:fld>
             <a:endParaRPr lang="en-GB"/>
           </a:p>
@@ -1593,7 +1593,7 @@
           <a:p>
             <a:fld id="{892E59C8-555A-4A7F-9226-CDF312CEEAE4}" type="datetimeFigureOut">
               <a:rPr lang="en-GB" smtClean="0"/>
-              <a:t>05/10/2022</a:t>
+              <a:t>06/10/2022</a:t>
             </a:fld>
             <a:endParaRPr lang="en-GB"/>
           </a:p>
@@ -1791,7 +1791,7 @@
           <a:p>
             <a:fld id="{892E59C8-555A-4A7F-9226-CDF312CEEAE4}" type="datetimeFigureOut">
               <a:rPr lang="en-GB" smtClean="0"/>
-              <a:t>05/10/2022</a:t>
+              <a:t>06/10/2022</a:t>
             </a:fld>
             <a:endParaRPr lang="en-GB"/>
           </a:p>
@@ -1999,7 +1999,7 @@
           <a:p>
             <a:fld id="{892E59C8-555A-4A7F-9226-CDF312CEEAE4}" type="datetimeFigureOut">
               <a:rPr lang="en-GB" smtClean="0"/>
-              <a:t>05/10/2022</a:t>
+              <a:t>06/10/2022</a:t>
             </a:fld>
             <a:endParaRPr lang="en-GB"/>
           </a:p>
@@ -2197,7 +2197,7 @@
           <a:p>
             <a:fld id="{892E59C8-555A-4A7F-9226-CDF312CEEAE4}" type="datetimeFigureOut">
               <a:rPr lang="en-GB" smtClean="0"/>
-              <a:t>05/10/2022</a:t>
+              <a:t>06/10/2022</a:t>
             </a:fld>
             <a:endParaRPr lang="en-GB"/>
           </a:p>
@@ -2472,7 +2472,7 @@
           <a:p>
             <a:fld id="{892E59C8-555A-4A7F-9226-CDF312CEEAE4}" type="datetimeFigureOut">
               <a:rPr lang="en-GB" smtClean="0"/>
-              <a:t>05/10/2022</a:t>
+              <a:t>06/10/2022</a:t>
             </a:fld>
             <a:endParaRPr lang="en-GB"/>
           </a:p>
@@ -2737,7 +2737,7 @@
           <a:p>
             <a:fld id="{892E59C8-555A-4A7F-9226-CDF312CEEAE4}" type="datetimeFigureOut">
               <a:rPr lang="en-GB" smtClean="0"/>
-              <a:t>05/10/2022</a:t>
+              <a:t>06/10/2022</a:t>
             </a:fld>
             <a:endParaRPr lang="en-GB"/>
           </a:p>
@@ -3149,7 +3149,7 @@
           <a:p>
             <a:fld id="{892E59C8-555A-4A7F-9226-CDF312CEEAE4}" type="datetimeFigureOut">
               <a:rPr lang="en-GB" smtClean="0"/>
-              <a:t>05/10/2022</a:t>
+              <a:t>06/10/2022</a:t>
             </a:fld>
             <a:endParaRPr lang="en-GB"/>
           </a:p>
@@ -3290,7 +3290,7 @@
           <a:p>
             <a:fld id="{892E59C8-555A-4A7F-9226-CDF312CEEAE4}" type="datetimeFigureOut">
               <a:rPr lang="en-GB" smtClean="0"/>
-              <a:t>05/10/2022</a:t>
+              <a:t>06/10/2022</a:t>
             </a:fld>
             <a:endParaRPr lang="en-GB"/>
           </a:p>
@@ -3403,7 +3403,7 @@
           <a:p>
             <a:fld id="{892E59C8-555A-4A7F-9226-CDF312CEEAE4}" type="datetimeFigureOut">
               <a:rPr lang="en-GB" smtClean="0"/>
-              <a:t>05/10/2022</a:t>
+              <a:t>06/10/2022</a:t>
             </a:fld>
             <a:endParaRPr lang="en-GB"/>
           </a:p>
@@ -3714,7 +3714,7 @@
           <a:p>
             <a:fld id="{892E59C8-555A-4A7F-9226-CDF312CEEAE4}" type="datetimeFigureOut">
               <a:rPr lang="en-GB" smtClean="0"/>
-              <a:t>05/10/2022</a:t>
+              <a:t>06/10/2022</a:t>
             </a:fld>
             <a:endParaRPr lang="en-GB"/>
           </a:p>
@@ -4002,7 +4002,7 @@
           <a:p>
             <a:fld id="{892E59C8-555A-4A7F-9226-CDF312CEEAE4}" type="datetimeFigureOut">
               <a:rPr lang="en-GB" smtClean="0"/>
-              <a:t>05/10/2022</a:t>
+              <a:t>06/10/2022</a:t>
             </a:fld>
             <a:endParaRPr lang="en-GB"/>
           </a:p>
@@ -4243,7 +4243,7 @@
           <a:p>
             <a:fld id="{892E59C8-555A-4A7F-9226-CDF312CEEAE4}" type="datetimeFigureOut">
               <a:rPr lang="en-GB" smtClean="0"/>
-              <a:t>05/10/2022</a:t>
+              <a:t>06/10/2022</a:t>
             </a:fld>
             <a:endParaRPr lang="en-GB"/>
           </a:p>
@@ -5571,188 +5571,6 @@
           <a:p>
             <a:r>
               <a:rPr lang="pl-PL" dirty="0"/>
-              <a:t>EF </a:t>
-            </a:r>
-            <a:r>
-              <a:rPr lang="pl-PL" dirty="0" err="1"/>
-              <a:t>keeps</a:t>
-            </a:r>
-            <a:r>
-              <a:rPr lang="pl-PL" dirty="0"/>
-              <a:t> </a:t>
-            </a:r>
-            <a:r>
-              <a:rPr lang="pl-PL" dirty="0" err="1"/>
-              <a:t>track</a:t>
-            </a:r>
-            <a:r>
-              <a:rPr lang="pl-PL" dirty="0"/>
-              <a:t> of </a:t>
-            </a:r>
-            <a:r>
-              <a:rPr lang="pl-PL" dirty="0" err="1"/>
-              <a:t>objects</a:t>
-            </a:r>
-            <a:r>
-              <a:rPr lang="pl-PL" dirty="0"/>
-              <a:t> </a:t>
-            </a:r>
-            <a:r>
-              <a:rPr lang="pl-PL" dirty="0" err="1"/>
-              <a:t>retrieved</a:t>
-            </a:r>
-            <a:r>
-              <a:rPr lang="pl-PL" dirty="0"/>
-              <a:t> from </a:t>
-            </a:r>
-            <a:r>
-              <a:rPr lang="pl-PL" dirty="0" err="1"/>
-              <a:t>it</a:t>
-            </a:r>
-            <a:r>
-              <a:rPr lang="pl-PL" dirty="0"/>
-              <a:t>, </a:t>
-            </a:r>
-            <a:r>
-              <a:rPr lang="pl-PL" dirty="0" err="1"/>
-              <a:t>so</a:t>
-            </a:r>
-            <a:r>
-              <a:rPr lang="pl-PL" dirty="0"/>
-              <a:t> </a:t>
-            </a:r>
-            <a:r>
-              <a:rPr lang="pl-PL" dirty="0" err="1"/>
-              <a:t>when</a:t>
-            </a:r>
-            <a:r>
-              <a:rPr lang="pl-PL" dirty="0"/>
-              <a:t> the </a:t>
-            </a:r>
-            <a:r>
-              <a:rPr lang="pl-PL" dirty="0" err="1"/>
-              <a:t>property</a:t>
-            </a:r>
-            <a:r>
-              <a:rPr lang="pl-PL" dirty="0"/>
-              <a:t> on </a:t>
-            </a:r>
-            <a:r>
-              <a:rPr lang="pl-PL" dirty="0" err="1"/>
-              <a:t>tracked</a:t>
-            </a:r>
-            <a:r>
-              <a:rPr lang="pl-PL" dirty="0"/>
-              <a:t> </a:t>
-            </a:r>
-            <a:r>
-              <a:rPr lang="pl-PL" dirty="0" err="1"/>
-              <a:t>object</a:t>
-            </a:r>
-            <a:r>
-              <a:rPr lang="pl-PL" dirty="0"/>
-              <a:t> </a:t>
-            </a:r>
-            <a:r>
-              <a:rPr lang="pl-PL" dirty="0" err="1"/>
-              <a:t>is</a:t>
-            </a:r>
-            <a:r>
-              <a:rPr lang="pl-PL" dirty="0"/>
-              <a:t> </a:t>
-            </a:r>
-            <a:r>
-              <a:rPr lang="pl-PL" dirty="0" err="1"/>
-              <a:t>changed</a:t>
-            </a:r>
-            <a:r>
-              <a:rPr lang="pl-PL" dirty="0"/>
-              <a:t>, and </a:t>
-            </a:r>
-            <a:r>
-              <a:rPr lang="pl-PL" dirty="0" err="1"/>
-              <a:t>SaveChanges</a:t>
-            </a:r>
-            <a:r>
-              <a:rPr lang="pl-PL" dirty="0"/>
-              <a:t>() </a:t>
-            </a:r>
-            <a:r>
-              <a:rPr lang="pl-PL" dirty="0" err="1"/>
-              <a:t>method</a:t>
-            </a:r>
-            <a:r>
-              <a:rPr lang="pl-PL" dirty="0"/>
-              <a:t> </a:t>
-            </a:r>
-            <a:r>
-              <a:rPr lang="pl-PL" dirty="0" err="1"/>
-              <a:t>is</a:t>
-            </a:r>
-            <a:r>
-              <a:rPr lang="pl-PL" dirty="0"/>
-              <a:t> </a:t>
-            </a:r>
-            <a:r>
-              <a:rPr lang="pl-PL" dirty="0" err="1"/>
-              <a:t>called</a:t>
-            </a:r>
-            <a:r>
-              <a:rPr lang="pl-PL" dirty="0"/>
-              <a:t> on </a:t>
-            </a:r>
-            <a:r>
-              <a:rPr lang="pl-PL" dirty="0" err="1"/>
-              <a:t>DbContext</a:t>
-            </a:r>
-            <a:r>
-              <a:rPr lang="pl-PL" dirty="0"/>
-              <a:t>, </a:t>
-            </a:r>
-            <a:r>
-              <a:rPr lang="pl-PL" dirty="0" err="1"/>
-              <a:t>then</a:t>
-            </a:r>
-            <a:r>
-              <a:rPr lang="pl-PL" dirty="0"/>
-              <a:t> </a:t>
-            </a:r>
-            <a:r>
-              <a:rPr lang="pl-PL" dirty="0" err="1"/>
-              <a:t>value</a:t>
-            </a:r>
-            <a:r>
-              <a:rPr lang="pl-PL" dirty="0"/>
-              <a:t> in </a:t>
-            </a:r>
-            <a:r>
-              <a:rPr lang="pl-PL" dirty="0" err="1"/>
-              <a:t>database</a:t>
-            </a:r>
-            <a:r>
-              <a:rPr lang="pl-PL" dirty="0"/>
-              <a:t> </a:t>
-            </a:r>
-            <a:r>
-              <a:rPr lang="pl-PL" dirty="0" err="1"/>
-              <a:t>is</a:t>
-            </a:r>
-            <a:r>
-              <a:rPr lang="pl-PL" dirty="0"/>
-              <a:t> </a:t>
-            </a:r>
-            <a:r>
-              <a:rPr lang="pl-PL" dirty="0" err="1"/>
-              <a:t>updated</a:t>
-            </a:r>
-            <a:r>
-              <a:rPr lang="pl-PL" dirty="0"/>
-              <a:t>.</a:t>
-            </a:r>
-          </a:p>
-          <a:p>
-            <a:r>
-              <a:rPr lang="pl-PL" dirty="0"/>
               <a:t>EF cały czas śledzi obiekty, który zostały wyciągnięte z </a:t>
             </a:r>
             <a:r>
@@ -5885,7 +5703,7 @@
             </a:r>
             <a:r>
               <a:rPr lang="pl-PL" dirty="0"/>
-              <a:t>) Wiele rekordów encji ma wiele rekordów innej encji: Student - lekcje</a:t>
+              <a:t>) Wiele rekordów encji ma wiele rekordów innej encji: Student - Lekcje</a:t>
             </a:r>
           </a:p>
         </p:txBody>
